--- a/курсовая.pptx
+++ b/курсовая.pptx
@@ -13,7 +13,7 @@
     <p:sldId id="261" r:id="rId7"/>
     <p:sldId id="262" r:id="rId8"/>
     <p:sldId id="263" r:id="rId9"/>
-    <p:sldId id="264" r:id="rId10"/>
+    <p:sldId id="267" r:id="rId10"/>
     <p:sldId id="265" r:id="rId11"/>
   </p:sldIdLst>
   <p:sldSz cx="12192000" cy="6858000"/>
@@ -289,7 +289,7 @@
           <a:p>
             <a:fld id="{CCBD2C4B-A149-4B06-8257-8714E1AA87F6}" type="datetimeFigureOut">
               <a:rPr lang="ru-RU" smtClean="0"/>
-              <a:t>23.10.2018</a:t>
+              <a:t>15.01.2019</a:t>
             </a:fld>
             <a:endParaRPr lang="ru-RU"/>
           </a:p>
@@ -517,7 +517,7 @@
           <a:p>
             <a:fld id="{CCBD2C4B-A149-4B06-8257-8714E1AA87F6}" type="datetimeFigureOut">
               <a:rPr lang="ru-RU" smtClean="0"/>
-              <a:t>23.10.2018</a:t>
+              <a:t>15.01.2019</a:t>
             </a:fld>
             <a:endParaRPr lang="ru-RU"/>
           </a:p>
@@ -697,7 +697,7 @@
           <a:p>
             <a:fld id="{CCBD2C4B-A149-4B06-8257-8714E1AA87F6}" type="datetimeFigureOut">
               <a:rPr lang="ru-RU" smtClean="0"/>
-              <a:t>23.10.2018</a:t>
+              <a:t>15.01.2019</a:t>
             </a:fld>
             <a:endParaRPr lang="ru-RU"/>
           </a:p>
@@ -867,7 +867,7 @@
           <a:p>
             <a:fld id="{CCBD2C4B-A149-4B06-8257-8714E1AA87F6}" type="datetimeFigureOut">
               <a:rPr lang="ru-RU" smtClean="0"/>
-              <a:t>23.10.2018</a:t>
+              <a:t>15.01.2019</a:t>
             </a:fld>
             <a:endParaRPr lang="ru-RU"/>
           </a:p>
@@ -1121,7 +1121,7 @@
           <a:p>
             <a:fld id="{CCBD2C4B-A149-4B06-8257-8714E1AA87F6}" type="datetimeFigureOut">
               <a:rPr lang="ru-RU" smtClean="0"/>
-              <a:t>23.10.2018</a:t>
+              <a:t>15.01.2019</a:t>
             </a:fld>
             <a:endParaRPr lang="ru-RU"/>
           </a:p>
@@ -1447,7 +1447,7 @@
           <a:p>
             <a:fld id="{CCBD2C4B-A149-4B06-8257-8714E1AA87F6}" type="datetimeFigureOut">
               <a:rPr lang="ru-RU" smtClean="0"/>
-              <a:t>23.10.2018</a:t>
+              <a:t>15.01.2019</a:t>
             </a:fld>
             <a:endParaRPr lang="ru-RU"/>
           </a:p>
@@ -1898,7 +1898,7 @@
           <a:p>
             <a:fld id="{CCBD2C4B-A149-4B06-8257-8714E1AA87F6}" type="datetimeFigureOut">
               <a:rPr lang="ru-RU" smtClean="0"/>
-              <a:t>23.10.2018</a:t>
+              <a:t>15.01.2019</a:t>
             </a:fld>
             <a:endParaRPr lang="ru-RU"/>
           </a:p>
@@ -2016,7 +2016,7 @@
           <a:p>
             <a:fld id="{CCBD2C4B-A149-4B06-8257-8714E1AA87F6}" type="datetimeFigureOut">
               <a:rPr lang="ru-RU" smtClean="0"/>
-              <a:t>23.10.2018</a:t>
+              <a:t>15.01.2019</a:t>
             </a:fld>
             <a:endParaRPr lang="ru-RU"/>
           </a:p>
@@ -2111,7 +2111,7 @@
           <a:p>
             <a:fld id="{CCBD2C4B-A149-4B06-8257-8714E1AA87F6}" type="datetimeFigureOut">
               <a:rPr lang="ru-RU" smtClean="0"/>
-              <a:t>23.10.2018</a:t>
+              <a:t>15.01.2019</a:t>
             </a:fld>
             <a:endParaRPr lang="ru-RU"/>
           </a:p>
@@ -2398,7 +2398,7 @@
           <a:p>
             <a:fld id="{CCBD2C4B-A149-4B06-8257-8714E1AA87F6}" type="datetimeFigureOut">
               <a:rPr lang="ru-RU" smtClean="0"/>
-              <a:t>23.10.2018</a:t>
+              <a:t>15.01.2019</a:t>
             </a:fld>
             <a:endParaRPr lang="ru-RU"/>
           </a:p>
@@ -2723,7 +2723,7 @@
           <a:p>
             <a:fld id="{CCBD2C4B-A149-4B06-8257-8714E1AA87F6}" type="datetimeFigureOut">
               <a:rPr lang="ru-RU" smtClean="0"/>
-              <a:t>23.10.2018</a:t>
+              <a:t>15.01.2019</a:t>
             </a:fld>
             <a:endParaRPr lang="ru-RU"/>
           </a:p>
@@ -2977,7 +2977,7 @@
           <a:p>
             <a:fld id="{CCBD2C4B-A149-4B06-8257-8714E1AA87F6}" type="datetimeFigureOut">
               <a:rPr lang="ru-RU" smtClean="0"/>
-              <a:t>23.10.2018</a:t>
+              <a:t>15.01.2019</a:t>
             </a:fld>
             <a:endParaRPr lang="ru-RU"/>
           </a:p>
@@ -3714,49 +3714,73 @@
         </p:spPr>
         <p:txBody>
           <a:bodyPr>
-            <a:normAutofit fontScale="55000" lnSpcReduction="20000"/>
+            <a:normAutofit/>
           </a:bodyPr>
           <a:lstStyle/>
           <a:p>
             <a:r>
-              <a:rPr lang="ru-RU" sz="3300" dirty="0"/>
-              <a:t>Потапова Р.К. Новые информационные технологии и лингвистика. М., 2002.</a:t>
-            </a:r>
-          </a:p>
-          <a:p>
-            <a:r>
-              <a:rPr lang="ru-RU" sz="3300" dirty="0"/>
-              <a:t>Хроленко А.Т., Денисов А.В. Современные информационные технологии для гуманитария. Практическое руководство. Москва издательство «Наука», 2007 г.</a:t>
-            </a:r>
-          </a:p>
-          <a:p>
-            <a:r>
-              <a:rPr lang="ru-RU" sz="3300" dirty="0"/>
-              <a:t>Бовтенко М.А. Компьютерная лингводидактика. Москва: Флинта: Наука, 2008г.</a:t>
-            </a:r>
-          </a:p>
-          <a:p>
-            <a:r>
-              <a:rPr lang="ru-RU" sz="3300" dirty="0"/>
-              <a:t>Потапова Р.К. Новые информационные технологии и лингвистика. М., 2002.</a:t>
-            </a:r>
-          </a:p>
-          <a:p>
-            <a:r>
-              <a:rPr lang="ru-RU" sz="3300" dirty="0"/>
-              <a:t>Романенко В. Н., Никитина Г. В. Сетевой информационный поиск: Информация в Интернете; Поисковые машины; Электронные каталоги библиотек; Как формулировать запросы: Практическое пособие. - СПб., 2003</a:t>
-            </a:r>
-          </a:p>
-          <a:p>
-            <a:r>
-              <a:rPr lang="ru-RU" sz="3300" dirty="0"/>
-              <a:t>Степанов М.Ф. Машинный перевод и общение на естественном языке. Саратов, 2000.</a:t>
-            </a:r>
-          </a:p>
-          <a:p>
-            <a:r>
-              <a:rPr lang="ru-RU" sz="3300" dirty="0"/>
-              <a:t>Предметный поиск в традиционных и нетрадиционных информационно-поисковых системах: сб. науч. тр. СПб.: Изд-во РНБ, 2001. Вып. 15. 303 </a:t>
+              <a:rPr lang="ru-RU" u="sng" dirty="0">
+                <a:hlinkClick r:id="rId2"/>
+              </a:rPr>
+              <a:t>https://gigabaza.ru/doc/99784.html</a:t>
+            </a:r>
+            <a:endParaRPr lang="ru-RU" dirty="0"/>
+          </a:p>
+          <a:p>
+            <a:r>
+              <a:rPr lang="ru-RU" u="sng" dirty="0">
+                <a:hlinkClick r:id="rId3"/>
+              </a:rPr>
+              <a:t>http://diplom-college.ru/a/kimb/files/23892/26230/informats_tehnologii.pd</a:t>
+            </a:r>
+            <a:r>
+              <a:rPr lang="en-US" u="sng" dirty="0">
+                <a:hlinkClick r:id="rId3"/>
+              </a:rPr>
+              <a:t>f</a:t>
+            </a:r>
+            <a:r>
+              <a:rPr lang="ru-RU" dirty="0"/>
+              <a:t> </a:t>
+            </a:r>
+          </a:p>
+          <a:p>
+            <a:r>
+              <a:rPr lang="ru-RU" u="sng" dirty="0">
+                <a:hlinkClick r:id="rId4"/>
+              </a:rPr>
+              <a:t>https://search.rsl.ru/ru/record/01002590300</a:t>
+            </a:r>
+            <a:endParaRPr lang="ru-RU" dirty="0"/>
+          </a:p>
+          <a:p>
+            <a:r>
+              <a:rPr lang="ru-RU" u="sng" dirty="0">
+                <a:hlinkClick r:id="rId5"/>
+              </a:rPr>
+              <a:t>http://bookfi.net/book/586742</a:t>
+            </a:r>
+            <a:endParaRPr lang="ru-RU" dirty="0"/>
+          </a:p>
+          <a:p>
+            <a:r>
+              <a:rPr lang="ru-RU" u="sng" dirty="0">
+                <a:hlinkClick r:id="rId6"/>
+              </a:rPr>
+              <a:t>http://elib.pstu.ru/Record/RUPSTUbooks51161</a:t>
+            </a:r>
+            <a:endParaRPr lang="ru-RU" dirty="0"/>
+          </a:p>
+          <a:p>
+            <a:r>
+              <a:rPr lang="ru-RU" u="sng" dirty="0">
+                <a:hlinkClick r:id="rId7"/>
+              </a:rPr>
+              <a:t>https://search.rsl.ru/ru/record/01002130492</a:t>
+            </a:r>
+            <a:r>
+              <a:rPr lang="ru-RU" dirty="0"/>
+              <a:t> </a:t>
             </a:r>
           </a:p>
           <a:p>
@@ -3809,13 +3833,13 @@
         </p:nvSpPr>
         <p:spPr>
           <a:xfrm>
-            <a:off x="1215690" y="1283855"/>
-            <a:ext cx="8595360" cy="4351337"/>
+            <a:off x="1215690" y="369455"/>
+            <a:ext cx="8595360" cy="6197600"/>
           </a:xfrm>
         </p:spPr>
         <p:txBody>
           <a:bodyPr>
-            <a:normAutofit/>
+            <a:normAutofit fontScale="92500" lnSpcReduction="20000"/>
           </a:bodyPr>
           <a:lstStyle/>
           <a:p>
@@ -3823,42 +3847,42 @@
               <a:buNone/>
             </a:pPr>
             <a:r>
-              <a:rPr lang="ru-RU" sz="2800" dirty="0" smtClean="0"/>
-              <a:t>Цель </a:t>
-            </a:r>
-            <a:r>
-              <a:rPr lang="ru-RU" sz="2800" dirty="0"/>
-              <a:t>работы: изучение способов применения информационных технологий в обработке текстов</a:t>
-            </a:r>
-            <a:endParaRPr lang="ru-RU" sz="2800" dirty="0" smtClean="0"/>
+              <a:rPr lang="ru-RU" sz="4800" dirty="0" smtClean="0"/>
+              <a:t>Цель: </a:t>
+            </a:r>
+            <a:r>
+              <a:rPr lang="ru-RU" sz="3900" dirty="0"/>
+              <a:t>изучение способов применения информационных технологий в обработке текстов</a:t>
+            </a:r>
+            <a:endParaRPr lang="ru-RU" sz="3900" dirty="0" smtClean="0"/>
           </a:p>
           <a:p>
             <a:pPr marL="0" indent="0">
               <a:buNone/>
             </a:pPr>
             <a:r>
-              <a:rPr lang="ru-RU" sz="2800" dirty="0" smtClean="0"/>
+              <a:rPr lang="ru-RU" sz="4800" dirty="0" smtClean="0"/>
               <a:t>Задачи:</a:t>
             </a:r>
           </a:p>
           <a:p>
             <a:pPr lvl="0"/>
             <a:r>
-              <a:rPr lang="ru-RU" sz="2800" dirty="0"/>
+              <a:rPr lang="ru-RU" sz="3900" dirty="0"/>
               <a:t>Сбор информации по определенной теме</a:t>
             </a:r>
           </a:p>
           <a:p>
             <a:pPr lvl="0"/>
             <a:r>
-              <a:rPr lang="ru-RU" sz="2800" dirty="0"/>
+              <a:rPr lang="ru-RU" sz="3900" dirty="0"/>
               <a:t>Структурирование собранной информации</a:t>
             </a:r>
           </a:p>
           <a:p>
             <a:pPr lvl="0"/>
             <a:r>
-              <a:rPr lang="ru-RU" sz="2800" dirty="0"/>
+              <a:rPr lang="ru-RU" sz="3900" dirty="0"/>
               <a:t>Выявление роли информационных технологий в лингвистической научной деятельности</a:t>
             </a:r>
           </a:p>
@@ -3915,114 +3939,86 @@
       </p:grpSpPr>
       <p:sp>
         <p:nvSpPr>
-          <p:cNvPr id="2" name="Заголовок 1"/>
-          <p:cNvSpPr>
-            <a:spLocks noGrp="1"/>
-          </p:cNvSpPr>
-          <p:nvPr>
-            <p:ph type="title"/>
-          </p:nvPr>
-        </p:nvSpPr>
-        <p:spPr/>
+          <p:cNvPr id="3" name="Объект 2"/>
+          <p:cNvSpPr>
+            <a:spLocks noGrp="1"/>
+          </p:cNvSpPr>
+          <p:nvPr>
+            <p:ph idx="1"/>
+          </p:nvPr>
+        </p:nvSpPr>
+        <p:spPr>
+          <a:xfrm>
+            <a:off x="1261872" y="988292"/>
+            <a:ext cx="8595360" cy="5191846"/>
+          </a:xfrm>
+        </p:spPr>
         <p:txBody>
           <a:bodyPr>
             <a:normAutofit/>
           </a:bodyPr>
           <a:lstStyle/>
           <a:p>
-            <a:pPr algn="ctr"/>
-            <a:r>
-              <a:rPr lang="ru-RU" sz="4000" dirty="0"/>
-              <a:t>Текст: представление, хранение, ввод</a:t>
-            </a:r>
-          </a:p>
-        </p:txBody>
-      </p:sp>
-      <p:sp>
-        <p:nvSpPr>
-          <p:cNvPr id="3" name="Объект 2"/>
-          <p:cNvSpPr>
-            <a:spLocks noGrp="1"/>
-          </p:cNvSpPr>
-          <p:nvPr>
-            <p:ph idx="1"/>
-          </p:nvPr>
-        </p:nvSpPr>
-        <p:spPr/>
-        <p:txBody>
-          <a:bodyPr>
-            <a:normAutofit/>
-          </a:bodyPr>
-          <a:lstStyle/>
-          <a:p>
-            <a:r>
-              <a:rPr lang="en-US" sz="2800" dirty="0" smtClean="0"/>
+            <a:r>
+              <a:rPr lang="en-US" sz="4400" dirty="0" smtClean="0"/>
               <a:t>ASCII </a:t>
             </a:r>
             <a:r>
-              <a:rPr lang="ru-RU" sz="2800" dirty="0" smtClean="0"/>
+              <a:rPr lang="ru-RU" sz="4400" dirty="0" smtClean="0"/>
               <a:t>(1963)</a:t>
             </a:r>
             <a:r>
-              <a:rPr lang="en-US" sz="2800" dirty="0" smtClean="0"/>
+              <a:rPr lang="en-US" sz="3600" dirty="0" smtClean="0"/>
               <a:t>- </a:t>
             </a:r>
             <a:r>
-              <a:rPr lang="ru-RU" sz="2800" dirty="0" smtClean="0"/>
+              <a:rPr lang="ru-RU" sz="3600" dirty="0" smtClean="0"/>
               <a:t>первый широко распространенный стандарт </a:t>
             </a:r>
             <a:r>
-              <a:rPr lang="ru-RU" sz="2800" dirty="0" smtClean="0"/>
-              <a:t>кодирования, в котором для </a:t>
-            </a:r>
-            <a:r>
-              <a:rPr lang="ru-RU" sz="2800" dirty="0" smtClean="0"/>
-              <a:t>кодирования каждого символа отводилось 7 бит. Восьмой бит использовался для служебных </a:t>
-            </a:r>
-            <a:r>
-              <a:rPr lang="ru-RU" sz="2800" dirty="0" smtClean="0"/>
-              <a:t>целей.</a:t>
-            </a:r>
-            <a:endParaRPr lang="ru-RU" sz="2800" dirty="0" smtClean="0"/>
-          </a:p>
-          <a:p>
-            <a:r>
-              <a:rPr lang="ru-RU" sz="2800" dirty="0"/>
+              <a:rPr lang="ru-RU" sz="3600" dirty="0" smtClean="0"/>
+              <a:t>кодирования.</a:t>
+            </a:r>
+            <a:endParaRPr lang="ru-RU" sz="3600" dirty="0" smtClean="0"/>
+          </a:p>
+          <a:p>
+            <a:r>
+              <a:rPr lang="ru-RU" sz="4400" dirty="0"/>
               <a:t>Юникод </a:t>
             </a:r>
             <a:r>
-              <a:rPr lang="ru-RU" sz="2800" dirty="0" smtClean="0"/>
-              <a:t>(</a:t>
-            </a:r>
-            <a:r>
-              <a:rPr lang="ru-RU" sz="2800" dirty="0" smtClean="0"/>
-              <a:t>1991) - </a:t>
-            </a:r>
-            <a:r>
-              <a:rPr lang="ru-RU" sz="2800" dirty="0"/>
+              <a:rPr lang="ru-RU" sz="4400" dirty="0" smtClean="0"/>
+              <a:t>(1991) </a:t>
+            </a:r>
+            <a:r>
+              <a:rPr lang="ru-RU" sz="3600" dirty="0" smtClean="0"/>
+              <a:t>- </a:t>
+            </a:r>
+            <a:r>
+              <a:rPr lang="ru-RU" sz="3600" dirty="0"/>
               <a:t>стандарт </a:t>
             </a:r>
             <a:r>
-              <a:rPr lang="ru-RU" sz="2800" dirty="0" smtClean="0"/>
+              <a:rPr lang="ru-RU" sz="3600" dirty="0" smtClean="0"/>
               <a:t>кодирования, состоящий </a:t>
             </a:r>
             <a:r>
-              <a:rPr lang="ru-RU" sz="2800" dirty="0"/>
+              <a:rPr lang="ru-RU" sz="3600" dirty="0"/>
               <a:t>из двух частей: универсального набора символов </a:t>
             </a:r>
             <a:r>
-              <a:rPr lang="ru-RU" sz="2800" dirty="0" smtClean="0"/>
+              <a:rPr lang="ru-RU" sz="3600" dirty="0" smtClean="0"/>
               <a:t>и </a:t>
             </a:r>
             <a:r>
-              <a:rPr lang="ru-RU" sz="2800" dirty="0"/>
+              <a:rPr lang="ru-RU" sz="3600" dirty="0"/>
               <a:t>правил </a:t>
             </a:r>
             <a:r>
-              <a:rPr lang="ru-RU" sz="2800" dirty="0" smtClean="0"/>
+              <a:rPr lang="ru-RU" sz="3600" dirty="0" smtClean="0"/>
               <a:t>трансформации. </a:t>
             </a:r>
-            <a:endParaRPr lang="ru-RU" sz="2800" dirty="0"/>
+            <a:endParaRPr lang="ru-RU" sz="3600" dirty="0"/>
           </a:p>
           <a:p>
             <a:pPr marL="0" indent="0">
@@ -4093,60 +4089,9 @@
           <a:p>
             <a:pPr algn="ctr"/>
             <a:r>
-              <a:rPr lang="ru-RU" dirty="0"/>
+              <a:rPr lang="ru-RU" sz="4800" dirty="0"/>
               <a:t>Оформление текста</a:t>
             </a:r>
-          </a:p>
-        </p:txBody>
-      </p:sp>
-      <p:sp>
-        <p:nvSpPr>
-          <p:cNvPr id="3" name="Объект 2"/>
-          <p:cNvSpPr>
-            <a:spLocks noGrp="1"/>
-          </p:cNvSpPr>
-          <p:nvPr>
-            <p:ph idx="1"/>
-          </p:nvPr>
-        </p:nvSpPr>
-        <p:spPr>
-          <a:xfrm>
-            <a:off x="838199" y="1810327"/>
-            <a:ext cx="3632201" cy="4618182"/>
-          </a:xfrm>
-        </p:spPr>
-        <p:txBody>
-          <a:bodyPr>
-            <a:normAutofit/>
-          </a:bodyPr>
-          <a:lstStyle/>
-          <a:p>
-            <a:pPr marL="0" indent="0">
-              <a:buNone/>
-            </a:pPr>
-            <a:r>
-              <a:rPr lang="ru-RU" sz="2400" dirty="0"/>
-              <a:t>Основным и наиболее важным средством определения внешнего вида текста является шрифт</a:t>
-            </a:r>
-            <a:r>
-              <a:rPr lang="ru-RU" sz="2400" dirty="0" smtClean="0"/>
-              <a:t>.</a:t>
-            </a:r>
-          </a:p>
-          <a:p>
-            <a:pPr marL="0" indent="0">
-              <a:buNone/>
-            </a:pPr>
-            <a:r>
-              <a:rPr lang="ru-RU" sz="2400" dirty="0"/>
-              <a:t>Совокупность всех возможных размеров и вариантов написания шрифта называется гарнитурой. </a:t>
-            </a:r>
-          </a:p>
-          <a:p>
-            <a:pPr marL="0" indent="0">
-              <a:buNone/>
-            </a:pPr>
-            <a:endParaRPr lang="ru-RU" dirty="0"/>
           </a:p>
         </p:txBody>
       </p:sp>
@@ -4173,7 +4118,7 @@
         </p:blipFill>
         <p:spPr bwMode="auto">
           <a:xfrm>
-            <a:off x="3352800" y="1939636"/>
+            <a:off x="1065045" y="1819564"/>
             <a:ext cx="8931564" cy="4701309"/>
           </a:xfrm>
           <a:prstGeom prst="rect">
@@ -4254,23 +4199,25 @@
         <p:spPr>
           <a:xfrm>
             <a:off x="376382" y="402071"/>
-            <a:ext cx="10515600" cy="1325563"/>
+            <a:ext cx="10515600" cy="1962438"/>
           </a:xfrm>
         </p:spPr>
         <p:txBody>
-          <a:bodyPr/>
+          <a:bodyPr>
+            <a:noAutofit/>
+          </a:bodyPr>
           <a:lstStyle/>
           <a:p>
             <a:pPr algn="ctr"/>
             <a:r>
-              <a:rPr lang="ru-RU" dirty="0"/>
-              <a:t>Структурирование </a:t>
-            </a:r>
-            <a:r>
-              <a:rPr lang="ru-RU" dirty="0" smtClean="0"/>
-              <a:t>текста</a:t>
-            </a:r>
-            <a:endParaRPr lang="ru-RU" dirty="0"/>
+              <a:rPr lang="ru-RU" sz="4800" dirty="0" smtClean="0"/>
+              <a:t>Два </a:t>
+            </a:r>
+            <a:r>
+              <a:rPr lang="ru-RU" sz="4800" dirty="0"/>
+              <a:t>мощных средства автоматизации:</a:t>
+            </a:r>
+            <a:endParaRPr lang="ru-RU" sz="4800" dirty="0"/>
           </a:p>
         </p:txBody>
       </p:sp>
@@ -4286,8 +4233,8 @@
         </p:nvSpPr>
         <p:spPr>
           <a:xfrm>
-            <a:off x="838200" y="1825625"/>
-            <a:ext cx="9506527" cy="4351338"/>
+            <a:off x="838200" y="3094181"/>
+            <a:ext cx="9506527" cy="3082781"/>
           </a:xfrm>
         </p:spPr>
         <p:txBody>
@@ -4296,42 +4243,18 @@
           </a:bodyPr>
           <a:lstStyle/>
           <a:p>
-            <a:pPr marL="0" indent="0">
-              <a:buNone/>
-            </a:pPr>
-            <a:r>
-              <a:rPr lang="ru-RU" sz="2800" dirty="0"/>
-              <a:t>Помимо внешнего вида букв, важное значение имеет пространственное расположение текста. </a:t>
-            </a:r>
-            <a:endParaRPr lang="ru-RU" sz="2800" dirty="0" smtClean="0"/>
-          </a:p>
-          <a:p>
-            <a:pPr marL="0" indent="0">
-              <a:buNone/>
-            </a:pPr>
-            <a:r>
-              <a:rPr lang="ru-RU" sz="2800" dirty="0"/>
-              <a:t>Для решения некоторых типовых задач оформления текстов существующие текстовые процессоры предусматривают два мощных средства </a:t>
-            </a:r>
-            <a:r>
-              <a:rPr lang="ru-RU" sz="2800" dirty="0" smtClean="0"/>
-              <a:t>автоматизации:</a:t>
-            </a:r>
-            <a:endParaRPr lang="ru-RU" sz="2800" dirty="0"/>
-          </a:p>
-          <a:p>
-            <a:r>
-              <a:rPr lang="ru-RU" sz="2800" dirty="0" smtClean="0"/>
+            <a:r>
+              <a:rPr lang="ru-RU" sz="3600" dirty="0" smtClean="0"/>
               <a:t>Списки</a:t>
             </a:r>
-            <a:endParaRPr lang="ru-RU" sz="2800" dirty="0"/>
-          </a:p>
-          <a:p>
-            <a:r>
-              <a:rPr lang="ru-RU" sz="2800" dirty="0" smtClean="0"/>
+            <a:endParaRPr lang="ru-RU" sz="3600" dirty="0"/>
+          </a:p>
+          <a:p>
+            <a:r>
+              <a:rPr lang="ru-RU" sz="3600" dirty="0" smtClean="0"/>
               <a:t>Таблицы</a:t>
             </a:r>
-            <a:endParaRPr lang="ru-RU" sz="2800" dirty="0"/>
+            <a:endParaRPr lang="ru-RU" sz="3600" dirty="0"/>
           </a:p>
         </p:txBody>
       </p:sp>
@@ -4382,7 +4305,12 @@
             <p:ph type="title"/>
           </p:nvPr>
         </p:nvSpPr>
-        <p:spPr/>
+        <p:spPr>
+          <a:xfrm>
+            <a:off x="1261872" y="365760"/>
+            <a:ext cx="9692640" cy="1028931"/>
+          </a:xfrm>
+        </p:spPr>
         <p:txBody>
           <a:bodyPr>
             <a:normAutofit/>
@@ -4391,9 +4319,10 @@
           <a:p>
             <a:pPr algn="ctr"/>
             <a:r>
-              <a:rPr lang="ru-RU" sz="4000" dirty="0"/>
-              <a:t>Автоматизированная обработка текста</a:t>
-            </a:r>
+              <a:rPr lang="ru-RU" sz="4800" dirty="0"/>
+              <a:t>Подходы к организации поиска.</a:t>
+            </a:r>
+            <a:endParaRPr lang="ru-RU" sz="4800" dirty="0"/>
           </a:p>
         </p:txBody>
       </p:sp>
@@ -4407,70 +4336,348 @@
             <p:ph idx="1"/>
           </p:nvPr>
         </p:nvSpPr>
-        <p:spPr/>
+        <p:spPr>
+          <a:xfrm>
+            <a:off x="1261872" y="1559790"/>
+            <a:ext cx="9563146" cy="1507259"/>
+          </a:xfrm>
+        </p:spPr>
         <p:txBody>
           <a:bodyPr>
-            <a:normAutofit lnSpcReduction="10000"/>
+            <a:normAutofit fontScale="92500"/>
           </a:bodyPr>
           <a:lstStyle/>
           <a:p>
+            <a:r>
+              <a:rPr lang="ru-RU" sz="3900" dirty="0" smtClean="0"/>
+              <a:t>Поиск фрагмента </a:t>
+            </a:r>
+            <a:r>
+              <a:rPr lang="ru-RU" sz="3900" dirty="0"/>
+              <a:t>текста, соответствующего некоторому образцу. </a:t>
+            </a:r>
+            <a:endParaRPr lang="ru-RU" sz="3900" dirty="0" smtClean="0"/>
+          </a:p>
+          <a:p>
             <a:pPr marL="0" indent="0">
               <a:buNone/>
             </a:pPr>
-            <a:r>
-              <a:rPr lang="ru-RU" sz="2800" dirty="0"/>
-              <a:t>Существует несколько наиболее распространенных автоматизированных операций, связанных с текстовым представлением</a:t>
-            </a:r>
-            <a:r>
-              <a:rPr lang="ru-RU" sz="2800" dirty="0" smtClean="0"/>
-              <a:t>.</a:t>
-            </a:r>
-            <a:r>
-              <a:rPr lang="ru-RU" sz="2800" dirty="0"/>
-              <a:t> </a:t>
-            </a:r>
-            <a:endParaRPr lang="ru-RU" sz="2800" dirty="0" smtClean="0"/>
+            <a:endParaRPr lang="ru-RU" dirty="0"/>
+          </a:p>
+        </p:txBody>
+      </p:sp>
+      <p:pic>
+        <p:nvPicPr>
+          <p:cNvPr id="5" name="Рисунок 4"/>
+          <p:cNvPicPr>
+            <a:picLocks noChangeAspect="1"/>
+          </p:cNvPicPr>
+          <p:nvPr/>
+        </p:nvPicPr>
+        <p:blipFill>
+          <a:blip r:embed="rId2">
+            <a:extLst>
+              <a:ext uri="{28A0092B-C50C-407E-A947-70E740481C1C}">
+                <a14:useLocalDpi xmlns:a14="http://schemas.microsoft.com/office/drawing/2010/main" val="0"/>
+              </a:ext>
+            </a:extLst>
+          </a:blip>
+          <a:stretch>
+            <a:fillRect/>
+          </a:stretch>
+        </p:blipFill>
+        <p:spPr>
+          <a:xfrm>
+            <a:off x="4109790" y="2863850"/>
+            <a:ext cx="6419850" cy="3790950"/>
+          </a:xfrm>
+          <a:prstGeom prst="rect">
+            <a:avLst/>
+          </a:prstGeom>
+        </p:spPr>
+      </p:pic>
+      <p:sp>
+        <p:nvSpPr>
+          <p:cNvPr id="7" name="Объект 2"/>
+          <p:cNvSpPr txBox="1">
+            <a:spLocks/>
+          </p:cNvSpPr>
+          <p:nvPr/>
+        </p:nvSpPr>
+        <p:spPr>
+          <a:xfrm>
+            <a:off x="1261871" y="3067050"/>
+            <a:ext cx="3614537" cy="1273464"/>
+          </a:xfrm>
+          <a:prstGeom prst="rect">
+            <a:avLst/>
+          </a:prstGeom>
+        </p:spPr>
+        <p:txBody>
+          <a:bodyPr vert="horz" lIns="91440" tIns="45720" rIns="91440" bIns="45720" rtlCol="0">
+            <a:normAutofit/>
+          </a:bodyPr>
+          <a:lstStyle>
+            <a:lvl1pPr marL="182880" indent="-182880" algn="l" defTabSz="914400" rtl="0" eaLnBrk="1" latinLnBrk="0" hangingPunct="1">
+              <a:lnSpc>
+                <a:spcPct val="95000"/>
+              </a:lnSpc>
+              <a:spcBef>
+                <a:spcPts val="1400"/>
+              </a:spcBef>
+              <a:spcAft>
+                <a:spcPts val="200"/>
+              </a:spcAft>
+              <a:buClr>
+                <a:schemeClr val="accent1"/>
+              </a:buClr>
+              <a:buSzPct val="80000"/>
+              <a:buFont typeface="Arial" pitchFamily="34" charset="0"/>
+              <a:buChar char="•"/>
+              <a:defRPr sz="1800" kern="1200" spc="10" baseline="0">
+                <a:solidFill>
+                  <a:schemeClr val="tx1"/>
+                </a:solidFill>
+                <a:latin typeface="+mn-lt"/>
+                <a:ea typeface="+mn-ea"/>
+                <a:cs typeface="+mn-cs"/>
+              </a:defRPr>
+            </a:lvl1pPr>
+            <a:lvl2pPr marL="457200" indent="-182880" algn="l" defTabSz="914400" rtl="0" eaLnBrk="1" latinLnBrk="0" hangingPunct="1">
+              <a:lnSpc>
+                <a:spcPct val="90000"/>
+              </a:lnSpc>
+              <a:spcBef>
+                <a:spcPts val="300"/>
+              </a:spcBef>
+              <a:spcAft>
+                <a:spcPts val="300"/>
+              </a:spcAft>
+              <a:buClr>
+                <a:schemeClr val="accent1"/>
+              </a:buClr>
+              <a:buFont typeface="Wingdings 2" pitchFamily="18" charset="2"/>
+              <a:buChar char=""/>
+              <a:defRPr sz="1600" kern="1200">
+                <a:solidFill>
+                  <a:schemeClr val="tx1">
+                    <a:lumMod val="85000"/>
+                    <a:lumOff val="15000"/>
+                  </a:schemeClr>
+                </a:solidFill>
+                <a:latin typeface="+mn-lt"/>
+                <a:ea typeface="+mn-ea"/>
+                <a:cs typeface="+mn-cs"/>
+              </a:defRPr>
+            </a:lvl2pPr>
+            <a:lvl3pPr marL="731520" indent="-182880" algn="l" defTabSz="914400" rtl="0" eaLnBrk="1" latinLnBrk="0" hangingPunct="1">
+              <a:lnSpc>
+                <a:spcPct val="90000"/>
+              </a:lnSpc>
+              <a:spcBef>
+                <a:spcPts val="300"/>
+              </a:spcBef>
+              <a:spcAft>
+                <a:spcPts val="300"/>
+              </a:spcAft>
+              <a:buClr>
+                <a:schemeClr val="accent1"/>
+              </a:buClr>
+              <a:buFont typeface="Wingdings 2" pitchFamily="18" charset="2"/>
+              <a:buChar char=""/>
+              <a:defRPr sz="1400" kern="1200">
+                <a:solidFill>
+                  <a:schemeClr val="tx1">
+                    <a:lumMod val="85000"/>
+                    <a:lumOff val="15000"/>
+                  </a:schemeClr>
+                </a:solidFill>
+                <a:latin typeface="+mn-lt"/>
+                <a:ea typeface="+mn-ea"/>
+                <a:cs typeface="+mn-cs"/>
+              </a:defRPr>
+            </a:lvl3pPr>
+            <a:lvl4pPr marL="1005840" indent="-182880" algn="l" defTabSz="914400" rtl="0" eaLnBrk="1" latinLnBrk="0" hangingPunct="1">
+              <a:lnSpc>
+                <a:spcPct val="90000"/>
+              </a:lnSpc>
+              <a:spcBef>
+                <a:spcPts val="300"/>
+              </a:spcBef>
+              <a:spcAft>
+                <a:spcPts val="300"/>
+              </a:spcAft>
+              <a:buClr>
+                <a:schemeClr val="accent1"/>
+              </a:buClr>
+              <a:buFont typeface="Wingdings 2" pitchFamily="18" charset="2"/>
+              <a:buChar char=""/>
+              <a:defRPr sz="1400" kern="1200">
+                <a:solidFill>
+                  <a:schemeClr val="tx1">
+                    <a:lumMod val="85000"/>
+                    <a:lumOff val="15000"/>
+                  </a:schemeClr>
+                </a:solidFill>
+                <a:latin typeface="+mn-lt"/>
+                <a:ea typeface="+mn-ea"/>
+                <a:cs typeface="+mn-cs"/>
+              </a:defRPr>
+            </a:lvl4pPr>
+            <a:lvl5pPr marL="1280160" indent="-182880" algn="l" defTabSz="914400" rtl="0" eaLnBrk="1" latinLnBrk="0" hangingPunct="1">
+              <a:lnSpc>
+                <a:spcPct val="90000"/>
+              </a:lnSpc>
+              <a:spcBef>
+                <a:spcPts val="300"/>
+              </a:spcBef>
+              <a:spcAft>
+                <a:spcPts val="300"/>
+              </a:spcAft>
+              <a:buClr>
+                <a:schemeClr val="accent1"/>
+              </a:buClr>
+              <a:buFont typeface="Wingdings 2" pitchFamily="18" charset="2"/>
+              <a:buChar char=""/>
+              <a:defRPr sz="1400" kern="1200">
+                <a:solidFill>
+                  <a:schemeClr val="tx1">
+                    <a:lumMod val="85000"/>
+                    <a:lumOff val="15000"/>
+                  </a:schemeClr>
+                </a:solidFill>
+                <a:latin typeface="+mn-lt"/>
+                <a:ea typeface="+mn-ea"/>
+                <a:cs typeface="+mn-cs"/>
+              </a:defRPr>
+            </a:lvl5pPr>
+            <a:lvl6pPr marL="1600000" indent="-228600" algn="l" defTabSz="914400" rtl="0" eaLnBrk="1" latinLnBrk="0" hangingPunct="1">
+              <a:lnSpc>
+                <a:spcPct val="90000"/>
+              </a:lnSpc>
+              <a:spcBef>
+                <a:spcPts val="300"/>
+              </a:spcBef>
+              <a:spcAft>
+                <a:spcPts val="300"/>
+              </a:spcAft>
+              <a:buClr>
+                <a:schemeClr val="accent1"/>
+              </a:buClr>
+              <a:buFont typeface="Wingdings 2" pitchFamily="18" charset="2"/>
+              <a:buChar char=""/>
+              <a:defRPr sz="1400" kern="1200">
+                <a:solidFill>
+                  <a:schemeClr val="tx1">
+                    <a:lumMod val="85000"/>
+                    <a:lumOff val="15000"/>
+                  </a:schemeClr>
+                </a:solidFill>
+                <a:latin typeface="+mn-lt"/>
+                <a:ea typeface="+mn-ea"/>
+                <a:cs typeface="+mn-cs"/>
+              </a:defRPr>
+            </a:lvl6pPr>
+            <a:lvl7pPr marL="1900000" indent="-228600" algn="l" defTabSz="914400" rtl="0" eaLnBrk="1" latinLnBrk="0" hangingPunct="1">
+              <a:lnSpc>
+                <a:spcPct val="90000"/>
+              </a:lnSpc>
+              <a:spcBef>
+                <a:spcPts val="300"/>
+              </a:spcBef>
+              <a:spcAft>
+                <a:spcPts val="300"/>
+              </a:spcAft>
+              <a:buClr>
+                <a:schemeClr val="accent1"/>
+              </a:buClr>
+              <a:buFont typeface="Wingdings 2" pitchFamily="18" charset="2"/>
+              <a:buChar char=""/>
+              <a:defRPr sz="1400" kern="1200">
+                <a:solidFill>
+                  <a:schemeClr val="tx1">
+                    <a:lumMod val="85000"/>
+                    <a:lumOff val="15000"/>
+                  </a:schemeClr>
+                </a:solidFill>
+                <a:latin typeface="+mn-lt"/>
+                <a:ea typeface="+mn-ea"/>
+                <a:cs typeface="+mn-cs"/>
+              </a:defRPr>
+            </a:lvl7pPr>
+            <a:lvl8pPr marL="2200000" indent="-228600" algn="l" defTabSz="914400" rtl="0" eaLnBrk="1" latinLnBrk="0" hangingPunct="1">
+              <a:lnSpc>
+                <a:spcPct val="90000"/>
+              </a:lnSpc>
+              <a:spcBef>
+                <a:spcPts val="300"/>
+              </a:spcBef>
+              <a:spcAft>
+                <a:spcPts val="300"/>
+              </a:spcAft>
+              <a:buClr>
+                <a:schemeClr val="accent1"/>
+              </a:buClr>
+              <a:buFont typeface="Wingdings 2" pitchFamily="18" charset="2"/>
+              <a:buChar char=""/>
+              <a:defRPr sz="1400" kern="1200">
+                <a:solidFill>
+                  <a:schemeClr val="tx1">
+                    <a:lumMod val="85000"/>
+                    <a:lumOff val="15000"/>
+                  </a:schemeClr>
+                </a:solidFill>
+                <a:latin typeface="+mn-lt"/>
+                <a:ea typeface="+mn-ea"/>
+                <a:cs typeface="+mn-cs"/>
+              </a:defRPr>
+            </a:lvl8pPr>
+            <a:lvl9pPr marL="2500000" indent="-228600" algn="l" defTabSz="914400" rtl="0" eaLnBrk="1" latinLnBrk="0" hangingPunct="1">
+              <a:lnSpc>
+                <a:spcPct val="90000"/>
+              </a:lnSpc>
+              <a:spcBef>
+                <a:spcPts val="300"/>
+              </a:spcBef>
+              <a:spcAft>
+                <a:spcPts val="300"/>
+              </a:spcAft>
+              <a:buClr>
+                <a:schemeClr val="accent1"/>
+              </a:buClr>
+              <a:buFont typeface="Wingdings 2" pitchFamily="18" charset="2"/>
+              <a:buChar char=""/>
+              <a:defRPr sz="1400" kern="1200">
+                <a:solidFill>
+                  <a:schemeClr val="tx1">
+                    <a:lumMod val="85000"/>
+                    <a:lumOff val="15000"/>
+                  </a:schemeClr>
+                </a:solidFill>
+                <a:latin typeface="+mn-lt"/>
+                <a:ea typeface="+mn-ea"/>
+                <a:cs typeface="+mn-cs"/>
+              </a:defRPr>
+            </a:lvl9pPr>
+          </a:lstStyle>
+          <a:p>
+            <a:r>
+              <a:rPr lang="ru-RU" sz="3600" dirty="0"/>
+              <a:t>С</a:t>
+            </a:r>
+            <a:r>
+              <a:rPr lang="ru-RU" sz="3600" dirty="0" smtClean="0"/>
+              <a:t>оздание </a:t>
+            </a:r>
+            <a:r>
+              <a:rPr lang="ru-RU" sz="3600" dirty="0"/>
+              <a:t>индекса.</a:t>
+            </a:r>
+            <a:endParaRPr lang="en-US" sz="3600" dirty="0"/>
           </a:p>
           <a:p>
             <a:pPr marL="0" indent="0">
-              <a:buNone/>
-            </a:pPr>
-            <a:r>
-              <a:rPr lang="ru-RU" sz="2800" dirty="0"/>
-              <a:t>П</a:t>
-            </a:r>
-            <a:r>
-              <a:rPr lang="ru-RU" sz="2800" dirty="0" smtClean="0"/>
-              <a:t>одходы </a:t>
-            </a:r>
-            <a:r>
-              <a:rPr lang="ru-RU" sz="2800" dirty="0"/>
-              <a:t>к организации </a:t>
-            </a:r>
-            <a:r>
-              <a:rPr lang="ru-RU" sz="2800" dirty="0" smtClean="0"/>
-              <a:t>поиска</a:t>
-            </a:r>
-            <a:r>
-              <a:rPr lang="ru-RU" sz="2800" dirty="0"/>
-              <a:t>.</a:t>
-            </a:r>
-          </a:p>
-          <a:p>
-            <a:r>
-              <a:rPr lang="ru-RU" sz="2800" dirty="0"/>
-              <a:t>Первый подход опирается на поиск фрагмента текста, соответствующего некоторому образцу. </a:t>
-            </a:r>
-            <a:endParaRPr lang="ru-RU" sz="2800" dirty="0" smtClean="0"/>
-          </a:p>
-          <a:p>
-            <a:r>
-              <a:rPr lang="ru-RU" sz="2800" dirty="0"/>
-              <a:t>Второй подход предусматривает предварительное создание индекса. </a:t>
-            </a:r>
-          </a:p>
-          <a:p>
-            <a:pPr marL="0" indent="0">
+              <a:buFont typeface="Arial" pitchFamily="34" charset="0"/>
               <a:buNone/>
             </a:pPr>
             <a:endParaRPr lang="ru-RU" dirty="0"/>
@@ -4533,9 +4740,10 @@
           <a:p>
             <a:pPr algn="ctr"/>
             <a:r>
-              <a:rPr lang="ru-RU" sz="4000" dirty="0"/>
-              <a:t>Расшифровка или уточнение значений слова</a:t>
-            </a:r>
+              <a:rPr lang="ru-RU" sz="4800" dirty="0" smtClean="0"/>
+              <a:t>Тезаурус</a:t>
+            </a:r>
+            <a:endParaRPr lang="ru-RU" sz="4800" dirty="0"/>
           </a:p>
         </p:txBody>
       </p:sp>
@@ -4549,7 +4757,12 @@
             <p:ph idx="1"/>
           </p:nvPr>
         </p:nvSpPr>
-        <p:spPr/>
+        <p:spPr>
+          <a:xfrm>
+            <a:off x="1261872" y="2179782"/>
+            <a:ext cx="7202534" cy="4000355"/>
+          </a:xfrm>
+        </p:spPr>
         <p:txBody>
           <a:bodyPr/>
           <a:lstStyle/>
@@ -4558,17 +4771,24 @@
               <a:buNone/>
             </a:pPr>
             <a:r>
+              <a:rPr lang="ru-RU" sz="2800" dirty="0" smtClean="0"/>
+              <a:t>Данный в</a:t>
+            </a:r>
+            <a:r>
+              <a:rPr lang="ru-RU" sz="2800" dirty="0" smtClean="0"/>
+              <a:t>ид </a:t>
+            </a:r>
+            <a:r>
               <a:rPr lang="ru-RU" sz="2800" dirty="0"/>
-              <a:t>Одно из самых распространенных применений словарей — проверка правописания слов при наборе.</a:t>
-            </a:r>
-          </a:p>
-          <a:p>
-            <a:pPr marL="0" indent="0">
-              <a:buNone/>
-            </a:pPr>
+              <a:t>словарей </a:t>
+            </a:r>
+            <a:r>
+              <a:rPr lang="ru-RU" sz="2800" dirty="0" smtClean="0"/>
+              <a:t>отражает </a:t>
+            </a:r>
             <a:r>
               <a:rPr lang="ru-RU" sz="2800" dirty="0"/>
-              <a:t>Особым видом словарей являются тезаурусы. Этот вид словарей важен не только потому, что может помочь при подготовке текстов, но и потому, что это отразит смысл слов — для систем, моделирующих отдельные аспекты мышления человека.</a:t>
+              <a:t>смысл слов — для систем, моделирующих отдельные аспекты мышления человека.</a:t>
             </a:r>
           </a:p>
           <a:p>
@@ -4579,6 +4799,36 @@
           </a:p>
         </p:txBody>
       </p:sp>
+      <p:pic>
+        <p:nvPicPr>
+          <p:cNvPr id="4" name="Рисунок 3"/>
+          <p:cNvPicPr>
+            <a:picLocks noChangeAspect="1"/>
+          </p:cNvPicPr>
+          <p:nvPr/>
+        </p:nvPicPr>
+        <p:blipFill>
+          <a:blip r:embed="rId2">
+            <a:extLst>
+              <a:ext uri="{28A0092B-C50C-407E-A947-70E740481C1C}">
+                <a14:useLocalDpi xmlns:a14="http://schemas.microsoft.com/office/drawing/2010/main" val="0"/>
+              </a:ext>
+            </a:extLst>
+          </a:blip>
+          <a:stretch>
+            <a:fillRect/>
+          </a:stretch>
+        </p:blipFill>
+        <p:spPr>
+          <a:xfrm>
+            <a:off x="8464406" y="817562"/>
+            <a:ext cx="1876425" cy="5362575"/>
+          </a:xfrm>
+          <a:prstGeom prst="rect">
+            <a:avLst/>
+          </a:prstGeom>
+        </p:spPr>
+      </p:pic>
     </p:spTree>
     <p:extLst>
       <p:ext uri="{BB962C8B-B14F-4D97-AF65-F5344CB8AC3E}">
@@ -4626,7 +4876,12 @@
             <p:ph type="title"/>
           </p:nvPr>
         </p:nvSpPr>
-        <p:spPr/>
+        <p:spPr>
+          <a:xfrm>
+            <a:off x="1261872" y="365760"/>
+            <a:ext cx="9692640" cy="1758604"/>
+          </a:xfrm>
+        </p:spPr>
         <p:txBody>
           <a:bodyPr>
             <a:normAutofit/>
@@ -4635,7 +4890,7 @@
           <a:p>
             <a:pPr algn="ctr"/>
             <a:r>
-              <a:rPr lang="ru-RU" sz="4000" dirty="0"/>
+              <a:rPr lang="ru-RU" sz="4800" dirty="0"/>
               <a:t>Системы автоматизированной доработки текста</a:t>
             </a:r>
           </a:p>
@@ -4653,8 +4908,8 @@
         </p:nvSpPr>
         <p:spPr>
           <a:xfrm>
-            <a:off x="979055" y="1828800"/>
-            <a:ext cx="9393381" cy="4351337"/>
+            <a:off x="979055" y="2438400"/>
+            <a:ext cx="9393381" cy="3741737"/>
           </a:xfrm>
         </p:spPr>
         <p:txBody>
@@ -4667,19 +4922,26 @@
               <a:buNone/>
             </a:pPr>
             <a:r>
-              <a:rPr lang="ru-RU" sz="2800" dirty="0" smtClean="0"/>
-              <a:t>С применением </a:t>
-            </a:r>
-            <a:r>
-              <a:rPr lang="ru-RU" sz="2800" dirty="0"/>
-              <a:t>специализированных по областям знания словарей современные системы автоматизированного перевода создают подстрочник, который может дать представление о смысле текста и в дальнейшем помочь переводчику в переводе документа.</a:t>
-            </a:r>
-          </a:p>
-          <a:p>
-            <a:pPr marL="0" indent="0">
-              <a:buNone/>
-            </a:pPr>
-            <a:endParaRPr lang="ru-RU" sz="2800" dirty="0"/>
+              <a:rPr lang="ru-RU" sz="3600" dirty="0" smtClean="0"/>
+              <a:t>Системы </a:t>
+            </a:r>
+            <a:r>
+              <a:rPr lang="ru-RU" sz="3600" dirty="0"/>
+              <a:t>автоматизированного перевода создают подстрочник, </a:t>
+            </a:r>
+            <a:r>
+              <a:rPr lang="ru-RU" sz="3600" dirty="0" smtClean="0"/>
+              <a:t>дающий </a:t>
+            </a:r>
+            <a:r>
+              <a:rPr lang="ru-RU" sz="3600" dirty="0"/>
+              <a:t>представление о смысле </a:t>
+            </a:r>
+            <a:r>
+              <a:rPr lang="ru-RU" sz="3600" dirty="0" smtClean="0"/>
+              <a:t>текста.</a:t>
+            </a:r>
+            <a:endParaRPr lang="ru-RU" sz="3600" dirty="0"/>
           </a:p>
         </p:txBody>
       </p:sp>
@@ -4722,6 +4984,31 @@
       </p:grpSpPr>
       <p:sp>
         <p:nvSpPr>
+          <p:cNvPr id="2" name="Заголовок 1"/>
+          <p:cNvSpPr>
+            <a:spLocks noGrp="1"/>
+          </p:cNvSpPr>
+          <p:nvPr>
+            <p:ph type="title"/>
+          </p:nvPr>
+        </p:nvSpPr>
+        <p:spPr/>
+        <p:txBody>
+          <a:bodyPr>
+            <a:normAutofit/>
+          </a:bodyPr>
+          <a:lstStyle/>
+          <a:p>
+            <a:pPr algn="ctr"/>
+            <a:r>
+              <a:rPr lang="ru-RU" sz="4800" dirty="0"/>
+              <a:t>Вывод</a:t>
+            </a:r>
+          </a:p>
+        </p:txBody>
+      </p:sp>
+      <p:sp>
+        <p:nvSpPr>
           <p:cNvPr id="3" name="Объект 2"/>
           <p:cNvSpPr>
             <a:spLocks noGrp="1"/>
@@ -4732,51 +5019,44 @@
         </p:nvSpPr>
         <p:spPr>
           <a:xfrm>
-            <a:off x="895926" y="1828800"/>
-            <a:ext cx="9365673" cy="4351337"/>
+            <a:off x="1261872" y="2253673"/>
+            <a:ext cx="8595360" cy="3926464"/>
           </a:xfrm>
         </p:spPr>
         <p:txBody>
-          <a:bodyPr>
-            <a:noAutofit/>
-          </a:bodyPr>
+          <a:bodyPr/>
           <a:lstStyle/>
           <a:p>
             <a:pPr marL="0" indent="0">
               <a:buNone/>
             </a:pPr>
             <a:r>
-              <a:rPr lang="ru-RU" sz="2800" dirty="0"/>
-              <a:t>Исходя из вышеизложенного, можно сделать </a:t>
-            </a:r>
-            <a:r>
-              <a:rPr lang="ru-RU" sz="2800" dirty="0" smtClean="0"/>
-              <a:t>вывод: информационные </a:t>
-            </a:r>
-            <a:r>
-              <a:rPr lang="ru-RU" sz="2800" dirty="0"/>
-              <a:t>технологии наиболее востребованы и эффективны в обработке текстовой информации, а также   в научно-исследовательской деятельности гуманитария в целом. </a:t>
-            </a:r>
+              <a:rPr lang="ru-RU" sz="3600" dirty="0" smtClean="0"/>
+              <a:t>Информационные </a:t>
+            </a:r>
+            <a:r>
+              <a:rPr lang="ru-RU" sz="3600" dirty="0"/>
+              <a:t>технологии наиболее востребованы и эффективны в обработке текстовой информации, в лингвистической научной деятельности. </a:t>
+            </a:r>
+          </a:p>
+          <a:p>
+            <a:pPr marL="0" indent="0">
+              <a:buNone/>
+            </a:pPr>
+            <a:endParaRPr lang="ru-RU" dirty="0"/>
           </a:p>
         </p:txBody>
       </p:sp>
     </p:spTree>
     <p:extLst>
       <p:ext uri="{BB962C8B-B14F-4D97-AF65-F5344CB8AC3E}">
-        <p14:creationId xmlns:p14="http://schemas.microsoft.com/office/powerpoint/2010/main" val="2129323172"/>
+        <p14:creationId xmlns:p14="http://schemas.microsoft.com/office/powerpoint/2010/main" val="547968844"/>
       </p:ext>
     </p:extLst>
   </p:cSld>
   <p:clrMapOvr>
     <a:masterClrMapping/>
   </p:clrMapOvr>
-  <p:timing>
-    <p:tnLst>
-      <p:par>
-        <p:cTn id="1" dur="indefinite" restart="never" nodeType="tmRoot"/>
-      </p:par>
-    </p:tnLst>
-  </p:timing>
 </p:sld>
 </file>
 
